--- a/hotel_management_project/src/projectPPt.pptx
+++ b/hotel_management_project/src/projectPPt.pptx
@@ -5,7 +5,7 @@
     <p:sldMasterId id="2147483648" r:id="rId1"/>
   </p:sldMasterIdLst>
   <p:notesMasterIdLst>
-    <p:notesMasterId r:id="rId16"/>
+    <p:notesMasterId r:id="rId18"/>
   </p:notesMasterIdLst>
   <p:sldIdLst>
     <p:sldId id="256" r:id="rId2"/>
@@ -22,6 +22,8 @@
     <p:sldId id="267" r:id="rId13"/>
     <p:sldId id="268" r:id="rId14"/>
     <p:sldId id="269" r:id="rId15"/>
+    <p:sldId id="270" r:id="rId16"/>
+    <p:sldId id="271" r:id="rId17"/>
   </p:sldIdLst>
   <p:sldSz cx="12192000" cy="6858000"/>
   <p:notesSz cx="6858000" cy="9144000"/>
@@ -122,7 +124,7 @@
   </p:defaultTextStyle>
   <p:extLst>
     <p:ext uri="{EFAFB233-063F-42B5-8137-9DF3F51BA10A}">
-      <p15:sldGuideLst xmlns:p15="http://schemas.microsoft.com/office/powerpoint/2012/main"/>
+      <p15:sldGuideLst xmlns="" xmlns:p15="http://schemas.microsoft.com/office/powerpoint/2012/main"/>
     </p:ext>
   </p:extLst>
 </p:presentation>
@@ -210,7 +212,7 @@
           <a:p>
             <a:fld id="{026D9F5A-7B9D-4491-B1AB-5FEF3E63CD29}" type="datetimeFigureOut">
               <a:rPr lang="en-IN" smtClean="0"/>
-              <a:t>07-03-2023</a:t>
+              <a:t>14-02-2024</a:t>
             </a:fld>
             <a:endParaRPr lang="en-IN" dirty="0"/>
           </a:p>
@@ -609,7 +611,7 @@
           <a:p>
             <a:fld id="{3C77A050-8C19-4DDE-9E70-B60D24367646}" type="datetimeFigureOut">
               <a:rPr lang="en-IN" smtClean="0"/>
-              <a:t>07-03-2023</a:t>
+              <a:t>14-02-2024</a:t>
             </a:fld>
             <a:endParaRPr lang="en-IN" dirty="0"/>
           </a:p>
@@ -779,7 +781,7 @@
           <a:p>
             <a:fld id="{3C77A050-8C19-4DDE-9E70-B60D24367646}" type="datetimeFigureOut">
               <a:rPr lang="en-IN" smtClean="0"/>
-              <a:t>07-03-2023</a:t>
+              <a:t>14-02-2024</a:t>
             </a:fld>
             <a:endParaRPr lang="en-IN" dirty="0"/>
           </a:p>
@@ -959,7 +961,7 @@
           <a:p>
             <a:fld id="{3C77A050-8C19-4DDE-9E70-B60D24367646}" type="datetimeFigureOut">
               <a:rPr lang="en-IN" smtClean="0"/>
-              <a:t>07-03-2023</a:t>
+              <a:t>14-02-2024</a:t>
             </a:fld>
             <a:endParaRPr lang="en-IN" dirty="0"/>
           </a:p>
@@ -1129,7 +1131,7 @@
           <a:p>
             <a:fld id="{3C77A050-8C19-4DDE-9E70-B60D24367646}" type="datetimeFigureOut">
               <a:rPr lang="en-IN" smtClean="0"/>
-              <a:t>07-03-2023</a:t>
+              <a:t>14-02-2024</a:t>
             </a:fld>
             <a:endParaRPr lang="en-IN" dirty="0"/>
           </a:p>
@@ -1375,7 +1377,7 @@
           <a:p>
             <a:fld id="{3C77A050-8C19-4DDE-9E70-B60D24367646}" type="datetimeFigureOut">
               <a:rPr lang="en-IN" smtClean="0"/>
-              <a:t>07-03-2023</a:t>
+              <a:t>14-02-2024</a:t>
             </a:fld>
             <a:endParaRPr lang="en-IN" dirty="0"/>
           </a:p>
@@ -1607,7 +1609,7 @@
           <a:p>
             <a:fld id="{3C77A050-8C19-4DDE-9E70-B60D24367646}" type="datetimeFigureOut">
               <a:rPr lang="en-IN" smtClean="0"/>
-              <a:t>07-03-2023</a:t>
+              <a:t>14-02-2024</a:t>
             </a:fld>
             <a:endParaRPr lang="en-IN" dirty="0"/>
           </a:p>
@@ -1974,7 +1976,7 @@
           <a:p>
             <a:fld id="{3C77A050-8C19-4DDE-9E70-B60D24367646}" type="datetimeFigureOut">
               <a:rPr lang="en-IN" smtClean="0"/>
-              <a:t>07-03-2023</a:t>
+              <a:t>14-02-2024</a:t>
             </a:fld>
             <a:endParaRPr lang="en-IN" dirty="0"/>
           </a:p>
@@ -2092,7 +2094,7 @@
           <a:p>
             <a:fld id="{3C77A050-8C19-4DDE-9E70-B60D24367646}" type="datetimeFigureOut">
               <a:rPr lang="en-IN" smtClean="0"/>
-              <a:t>07-03-2023</a:t>
+              <a:t>14-02-2024</a:t>
             </a:fld>
             <a:endParaRPr lang="en-IN" dirty="0"/>
           </a:p>
@@ -2187,7 +2189,7 @@
           <a:p>
             <a:fld id="{3C77A050-8C19-4DDE-9E70-B60D24367646}" type="datetimeFigureOut">
               <a:rPr lang="en-IN" smtClean="0"/>
-              <a:t>07-03-2023</a:t>
+              <a:t>14-02-2024</a:t>
             </a:fld>
             <a:endParaRPr lang="en-IN" dirty="0"/>
           </a:p>
@@ -2464,7 +2466,7 @@
           <a:p>
             <a:fld id="{3C77A050-8C19-4DDE-9E70-B60D24367646}" type="datetimeFigureOut">
               <a:rPr lang="en-IN" smtClean="0"/>
-              <a:t>07-03-2023</a:t>
+              <a:t>14-02-2024</a:t>
             </a:fld>
             <a:endParaRPr lang="en-IN" dirty="0"/>
           </a:p>
@@ -2717,7 +2719,7 @@
           <a:p>
             <a:fld id="{3C77A050-8C19-4DDE-9E70-B60D24367646}" type="datetimeFigureOut">
               <a:rPr lang="en-IN" smtClean="0"/>
-              <a:t>07-03-2023</a:t>
+              <a:t>14-02-2024</a:t>
             </a:fld>
             <a:endParaRPr lang="en-IN" dirty="0"/>
           </a:p>
@@ -2930,7 +2932,7 @@
           <a:p>
             <a:fld id="{3C77A050-8C19-4DDE-9E70-B60D24367646}" type="datetimeFigureOut">
               <a:rPr lang="en-IN" smtClean="0"/>
-              <a:t>07-03-2023</a:t>
+              <a:t>14-02-2024</a:t>
             </a:fld>
             <a:endParaRPr lang="en-IN" dirty="0"/>
           </a:p>
@@ -4898,9 +4900,6 @@
               </a:rPr>
               <a:t>so you can't change it</a:t>
             </a:r>
-            <a:endParaRPr lang="en-US" sz="1200" dirty="0">
-              <a:latin typeface="Consolas" panose="020B0609020204030204" pitchFamily="49" charset="0"/>
-            </a:endParaRPr>
           </a:p>
           <a:p>
             <a:endParaRPr lang="en-IN" sz="1200" dirty="0">
@@ -4913,6 +4912,1295 @@
     <p:extLst>
       <p:ext uri="{BB962C8B-B14F-4D97-AF65-F5344CB8AC3E}">
         <p14:creationId xmlns:p14="http://schemas.microsoft.com/office/powerpoint/2010/main" val="3424480762"/>
+      </p:ext>
+    </p:extLst>
+  </p:cSld>
+  <p:clrMapOvr>
+    <a:masterClrMapping/>
+  </p:clrMapOvr>
+</p:sld>
+</file>
+
+<file path=ppt/slides/slide15.xml><?xml version="1.0" encoding="utf-8"?>
+<p:sld xmlns:a="http://schemas.openxmlformats.org/drawingml/2006/main" xmlns:r="http://schemas.openxmlformats.org/officeDocument/2006/relationships" xmlns:p="http://schemas.openxmlformats.org/presentationml/2006/main">
+  <p:cSld>
+    <p:spTree>
+      <p:nvGrpSpPr>
+        <p:cNvPr id="1" name=""/>
+        <p:cNvGrpSpPr/>
+        <p:nvPr/>
+      </p:nvGrpSpPr>
+      <p:grpSpPr>
+        <a:xfrm>
+          <a:off x="0" y="0"/>
+          <a:ext cx="0" cy="0"/>
+          <a:chOff x="0" y="0"/>
+          <a:chExt cx="0" cy="0"/>
+        </a:xfrm>
+      </p:grpSpPr>
+      <p:sp>
+        <p:nvSpPr>
+          <p:cNvPr id="2" name="TextBox 1"/>
+          <p:cNvSpPr txBox="1"/>
+          <p:nvPr/>
+        </p:nvSpPr>
+        <p:spPr>
+          <a:xfrm>
+            <a:off x="247650" y="232291"/>
+            <a:ext cx="3095625" cy="369332"/>
+          </a:xfrm>
+          <a:prstGeom prst="rect">
+            <a:avLst/>
+          </a:prstGeom>
+          <a:noFill/>
+        </p:spPr>
+        <p:txBody>
+          <a:bodyPr wrap="square" rtlCol="0">
+            <a:spAutoFit/>
+          </a:bodyPr>
+          <a:lstStyle/>
+          <a:p>
+            <a:r>
+              <a:rPr lang="en-GB" b="1" dirty="0" smtClean="0"/>
+              <a:t>BACKEND TABLES STRUCTURE</a:t>
+            </a:r>
+            <a:endParaRPr lang="en-IN" b="1" dirty="0"/>
+          </a:p>
+        </p:txBody>
+      </p:sp>
+      <p:sp>
+        <p:nvSpPr>
+          <p:cNvPr id="3" name="TextBox 2"/>
+          <p:cNvSpPr txBox="1"/>
+          <p:nvPr/>
+        </p:nvSpPr>
+        <p:spPr>
+          <a:xfrm>
+            <a:off x="247650" y="5177320"/>
+            <a:ext cx="4652963" cy="1015663"/>
+          </a:xfrm>
+          <a:prstGeom prst="rect">
+            <a:avLst/>
+          </a:prstGeom>
+          <a:noFill/>
+        </p:spPr>
+        <p:txBody>
+          <a:bodyPr wrap="square" rtlCol="0">
+            <a:spAutoFit/>
+          </a:bodyPr>
+          <a:lstStyle/>
+          <a:p>
+            <a:r>
+              <a:rPr lang="en-IN" sz="1200" dirty="0">
+                <a:latin typeface="Consolas" panose="020B0609020204030204" pitchFamily="49" charset="0"/>
+              </a:rPr>
+              <a:t>+-----------------------+------------+-------------+ | </a:t>
+            </a:r>
+            <a:r>
+              <a:rPr lang="en-IN" sz="1200" dirty="0" err="1" smtClean="0">
+                <a:latin typeface="Consolas" panose="020B0609020204030204" pitchFamily="49" charset="0"/>
+              </a:rPr>
+              <a:t>mail_id</a:t>
+            </a:r>
+            <a:r>
+              <a:rPr lang="en-IN" sz="1200" dirty="0" smtClean="0">
+                <a:latin typeface="Consolas" panose="020B0609020204030204" pitchFamily="49" charset="0"/>
+              </a:rPr>
+              <a:t>               </a:t>
+            </a:r>
+            <a:r>
+              <a:rPr lang="en-IN" sz="1200" dirty="0">
+                <a:latin typeface="Consolas" panose="020B0609020204030204" pitchFamily="49" charset="0"/>
+              </a:rPr>
+              <a:t>| </a:t>
+            </a:r>
+            <a:r>
+              <a:rPr lang="en-IN" sz="1200" dirty="0" err="1">
+                <a:latin typeface="Consolas" panose="020B0609020204030204" pitchFamily="49" charset="0"/>
+              </a:rPr>
+              <a:t>total_time</a:t>
+            </a:r>
+            <a:r>
+              <a:rPr lang="en-IN" sz="1200" dirty="0">
+                <a:latin typeface="Consolas" panose="020B0609020204030204" pitchFamily="49" charset="0"/>
+              </a:rPr>
+              <a:t> | </a:t>
+            </a:r>
+            <a:r>
+              <a:rPr lang="en-IN" sz="1200" dirty="0" err="1">
+                <a:latin typeface="Consolas" panose="020B0609020204030204" pitchFamily="49" charset="0"/>
+              </a:rPr>
+              <a:t>repeatation</a:t>
+            </a:r>
+            <a:r>
+              <a:rPr lang="en-IN" sz="1200" dirty="0">
+                <a:latin typeface="Consolas" panose="020B0609020204030204" pitchFamily="49" charset="0"/>
+              </a:rPr>
+              <a:t> | +-----------------------+------------+-------------+ | karthikayan@gmail.com | </a:t>
+            </a:r>
+            <a:r>
+              <a:rPr lang="en-IN" sz="1200" dirty="0" smtClean="0">
+                <a:latin typeface="Consolas" panose="020B0609020204030204" pitchFamily="49" charset="0"/>
+              </a:rPr>
+              <a:t>        24 </a:t>
+            </a:r>
+            <a:r>
+              <a:rPr lang="en-IN" sz="1200" dirty="0">
+                <a:latin typeface="Consolas" panose="020B0609020204030204" pitchFamily="49" charset="0"/>
+              </a:rPr>
+              <a:t>| </a:t>
+            </a:r>
+            <a:r>
+              <a:rPr lang="en-IN" sz="1200" dirty="0" smtClean="0">
+                <a:latin typeface="Consolas" panose="020B0609020204030204" pitchFamily="49" charset="0"/>
+              </a:rPr>
+              <a:t>          1 </a:t>
+            </a:r>
+            <a:r>
+              <a:rPr lang="en-IN" sz="1200" dirty="0">
+                <a:latin typeface="Consolas" panose="020B0609020204030204" pitchFamily="49" charset="0"/>
+              </a:rPr>
+              <a:t>| +-----------------------+------------+-------------+</a:t>
+            </a:r>
+          </a:p>
+        </p:txBody>
+      </p:sp>
+      <p:sp>
+        <p:nvSpPr>
+          <p:cNvPr id="4" name="TextBox 3"/>
+          <p:cNvSpPr txBox="1"/>
+          <p:nvPr/>
+        </p:nvSpPr>
+        <p:spPr>
+          <a:xfrm>
+            <a:off x="247651" y="3965506"/>
+            <a:ext cx="2438400" cy="1015663"/>
+          </a:xfrm>
+          <a:prstGeom prst="rect">
+            <a:avLst/>
+          </a:prstGeom>
+          <a:noFill/>
+        </p:spPr>
+        <p:txBody>
+          <a:bodyPr wrap="square" rtlCol="0">
+            <a:spAutoFit/>
+          </a:bodyPr>
+          <a:lstStyle/>
+          <a:p>
+            <a:r>
+              <a:rPr lang="en-IN" sz="1200" dirty="0">
+                <a:latin typeface="Consolas" panose="020B0609020204030204" pitchFamily="49" charset="0"/>
+              </a:rPr>
+              <a:t>+---------+-------------+ | </a:t>
+            </a:r>
+            <a:r>
+              <a:rPr lang="en-IN" sz="1200" dirty="0" err="1">
+                <a:latin typeface="Consolas" panose="020B0609020204030204" pitchFamily="49" charset="0"/>
+              </a:rPr>
+              <a:t>room_no</a:t>
+            </a:r>
+            <a:r>
+              <a:rPr lang="en-IN" sz="1200" dirty="0">
+                <a:latin typeface="Consolas" panose="020B0609020204030204" pitchFamily="49" charset="0"/>
+              </a:rPr>
+              <a:t> | </a:t>
+            </a:r>
+            <a:r>
+              <a:rPr lang="en-IN" sz="1200" dirty="0" err="1">
+                <a:latin typeface="Consolas" panose="020B0609020204030204" pitchFamily="49" charset="0"/>
+              </a:rPr>
+              <a:t>customer_id</a:t>
+            </a:r>
+            <a:r>
+              <a:rPr lang="en-IN" sz="1200" dirty="0">
+                <a:latin typeface="Consolas" panose="020B0609020204030204" pitchFamily="49" charset="0"/>
+              </a:rPr>
+              <a:t> | +---------+-------------+ | </a:t>
+            </a:r>
+            <a:r>
+              <a:rPr lang="en-IN" sz="1200" dirty="0" smtClean="0">
+                <a:latin typeface="Consolas" panose="020B0609020204030204" pitchFamily="49" charset="0"/>
+              </a:rPr>
+              <a:t>      1 |           </a:t>
+            </a:r>
+            <a:r>
+              <a:rPr lang="en-IN" sz="1200" dirty="0">
+                <a:latin typeface="Consolas" panose="020B0609020204030204" pitchFamily="49" charset="0"/>
+              </a:rPr>
+              <a:t>1 | +---------+-------------+</a:t>
+            </a:r>
+          </a:p>
+        </p:txBody>
+      </p:sp>
+      <p:sp>
+        <p:nvSpPr>
+          <p:cNvPr id="5" name="TextBox 4"/>
+          <p:cNvSpPr txBox="1"/>
+          <p:nvPr/>
+        </p:nvSpPr>
+        <p:spPr>
+          <a:xfrm>
+            <a:off x="247652" y="2176469"/>
+            <a:ext cx="7905750" cy="1200329"/>
+          </a:xfrm>
+          <a:prstGeom prst="rect">
+            <a:avLst/>
+          </a:prstGeom>
+          <a:noFill/>
+        </p:spPr>
+        <p:txBody>
+          <a:bodyPr wrap="square" rtlCol="0">
+            <a:spAutoFit/>
+          </a:bodyPr>
+          <a:lstStyle/>
+          <a:p>
+            <a:r>
+              <a:rPr lang="en-IN" sz="1200" dirty="0">
+                <a:latin typeface="Consolas" panose="020B0609020204030204" pitchFamily="49" charset="0"/>
+              </a:rPr>
+              <a:t>+----+--------+-----------------------+---------+---------------------+------------------+ | id | name </a:t>
+            </a:r>
+            <a:r>
+              <a:rPr lang="en-IN" sz="1200" dirty="0" smtClean="0">
+                <a:latin typeface="Consolas" panose="020B0609020204030204" pitchFamily="49" charset="0"/>
+              </a:rPr>
+              <a:t>  | </a:t>
+            </a:r>
+            <a:r>
+              <a:rPr lang="en-IN" sz="1200" dirty="0" err="1">
+                <a:latin typeface="Consolas" panose="020B0609020204030204" pitchFamily="49" charset="0"/>
+              </a:rPr>
+              <a:t>mail_id</a:t>
+            </a:r>
+            <a:r>
+              <a:rPr lang="en-IN" sz="1200" dirty="0">
+                <a:latin typeface="Consolas" panose="020B0609020204030204" pitchFamily="49" charset="0"/>
+              </a:rPr>
+              <a:t> </a:t>
+            </a:r>
+            <a:r>
+              <a:rPr lang="en-IN" sz="1200" dirty="0" smtClean="0">
+                <a:latin typeface="Consolas" panose="020B0609020204030204" pitchFamily="49" charset="0"/>
+              </a:rPr>
+              <a:t>              | </a:t>
+            </a:r>
+            <a:r>
+              <a:rPr lang="en-IN" sz="1200" dirty="0">
+                <a:latin typeface="Consolas" panose="020B0609020204030204" pitchFamily="49" charset="0"/>
+              </a:rPr>
+              <a:t>members | </a:t>
+            </a:r>
+            <a:r>
+              <a:rPr lang="en-IN" sz="1200" dirty="0" err="1" smtClean="0">
+                <a:latin typeface="Consolas" panose="020B0609020204030204" pitchFamily="49" charset="0"/>
+              </a:rPr>
+              <a:t>checkin</a:t>
+            </a:r>
+            <a:r>
+              <a:rPr lang="en-IN" sz="1200" dirty="0" smtClean="0">
+                <a:latin typeface="Consolas" panose="020B0609020204030204" pitchFamily="49" charset="0"/>
+              </a:rPr>
+              <a:t>             </a:t>
+            </a:r>
+            <a:r>
+              <a:rPr lang="en-IN" sz="1200" dirty="0">
+                <a:latin typeface="Consolas" panose="020B0609020204030204" pitchFamily="49" charset="0"/>
+              </a:rPr>
+              <a:t>| </a:t>
+            </a:r>
+            <a:r>
+              <a:rPr lang="en-IN" sz="1200" dirty="0" err="1">
+                <a:latin typeface="Consolas" panose="020B0609020204030204" pitchFamily="49" charset="0"/>
+              </a:rPr>
+              <a:t>time_by_customer</a:t>
+            </a:r>
+            <a:r>
+              <a:rPr lang="en-IN" sz="1200" dirty="0">
+                <a:latin typeface="Consolas" panose="020B0609020204030204" pitchFamily="49" charset="0"/>
+              </a:rPr>
+              <a:t> | +----+--------+-----------------------+---------+---------------------+------------------+ | </a:t>
+            </a:r>
+            <a:r>
+              <a:rPr lang="en-IN" sz="1200" dirty="0" smtClean="0">
+                <a:latin typeface="Consolas" panose="020B0609020204030204" pitchFamily="49" charset="0"/>
+              </a:rPr>
+              <a:t> 1 </a:t>
+            </a:r>
+            <a:r>
+              <a:rPr lang="en-IN" sz="1200" dirty="0">
+                <a:latin typeface="Consolas" panose="020B0609020204030204" pitchFamily="49" charset="0"/>
+              </a:rPr>
+              <a:t>| </a:t>
+            </a:r>
+            <a:r>
+              <a:rPr lang="en-IN" sz="1200" dirty="0" err="1">
+                <a:latin typeface="Consolas" panose="020B0609020204030204" pitchFamily="49" charset="0"/>
+              </a:rPr>
+              <a:t>karthi</a:t>
+            </a:r>
+            <a:r>
+              <a:rPr lang="en-IN" sz="1200" dirty="0">
+                <a:latin typeface="Consolas" panose="020B0609020204030204" pitchFamily="49" charset="0"/>
+              </a:rPr>
+              <a:t> | karthikayan@gmail.com | </a:t>
+            </a:r>
+            <a:r>
+              <a:rPr lang="en-IN" sz="1200" dirty="0" smtClean="0">
+                <a:latin typeface="Consolas" panose="020B0609020204030204" pitchFamily="49" charset="0"/>
+              </a:rPr>
+              <a:t>      1 </a:t>
+            </a:r>
+            <a:r>
+              <a:rPr lang="en-IN" sz="1200" dirty="0">
+                <a:latin typeface="Consolas" panose="020B0609020204030204" pitchFamily="49" charset="0"/>
+              </a:rPr>
+              <a:t>| 2024-02-14 00:00:00 | </a:t>
+            </a:r>
+            <a:r>
+              <a:rPr lang="en-IN" sz="1200" dirty="0" smtClean="0">
+                <a:latin typeface="Consolas" panose="020B0609020204030204" pitchFamily="49" charset="0"/>
+              </a:rPr>
+              <a:t>              24 </a:t>
+            </a:r>
+            <a:r>
+              <a:rPr lang="en-IN" sz="1200" dirty="0">
+                <a:latin typeface="Consolas" panose="020B0609020204030204" pitchFamily="49" charset="0"/>
+              </a:rPr>
+              <a:t>| +----+--------+-----------------------+---------+---------------------+------------------+ </a:t>
+            </a:r>
+            <a:br>
+              <a:rPr lang="en-IN" sz="1200" dirty="0">
+                <a:latin typeface="Consolas" panose="020B0609020204030204" pitchFamily="49" charset="0"/>
+              </a:rPr>
+            </a:br>
+            <a:endParaRPr lang="en-IN" sz="1200" dirty="0">
+              <a:latin typeface="Consolas" panose="020B0609020204030204" pitchFamily="49" charset="0"/>
+            </a:endParaRPr>
+          </a:p>
+        </p:txBody>
+      </p:sp>
+      <p:sp>
+        <p:nvSpPr>
+          <p:cNvPr id="6" name="TextBox 5"/>
+          <p:cNvSpPr txBox="1"/>
+          <p:nvPr/>
+        </p:nvSpPr>
+        <p:spPr>
+          <a:xfrm>
+            <a:off x="247650" y="960069"/>
+            <a:ext cx="5543550" cy="1200329"/>
+          </a:xfrm>
+          <a:prstGeom prst="rect">
+            <a:avLst/>
+          </a:prstGeom>
+          <a:noFill/>
+        </p:spPr>
+        <p:txBody>
+          <a:bodyPr wrap="square" rtlCol="0">
+            <a:spAutoFit/>
+          </a:bodyPr>
+          <a:lstStyle/>
+          <a:p>
+            <a:r>
+              <a:rPr lang="en-IN" sz="1200" dirty="0">
+                <a:latin typeface="Consolas" panose="020B0609020204030204" pitchFamily="49" charset="0"/>
+              </a:rPr>
+              <a:t>+----------+-------------+-----------+--------------+--------+ | </a:t>
+            </a:r>
+            <a:r>
+              <a:rPr lang="en-IN" sz="1200" dirty="0" err="1">
+                <a:latin typeface="Consolas" panose="020B0609020204030204" pitchFamily="49" charset="0"/>
+              </a:rPr>
+              <a:t>hotel_id</a:t>
+            </a:r>
+            <a:r>
+              <a:rPr lang="en-IN" sz="1200" dirty="0">
+                <a:latin typeface="Consolas" panose="020B0609020204030204" pitchFamily="49" charset="0"/>
+              </a:rPr>
+              <a:t> | </a:t>
+            </a:r>
+            <a:r>
+              <a:rPr lang="en-IN" sz="1200" dirty="0" err="1">
+                <a:latin typeface="Consolas" panose="020B0609020204030204" pitchFamily="49" charset="0"/>
+              </a:rPr>
+              <a:t>rooms_count</a:t>
+            </a:r>
+            <a:r>
+              <a:rPr lang="en-IN" sz="1200" dirty="0">
+                <a:latin typeface="Consolas" panose="020B0609020204030204" pitchFamily="49" charset="0"/>
+              </a:rPr>
+              <a:t> | </a:t>
+            </a:r>
+            <a:r>
+              <a:rPr lang="en-IN" sz="1200" dirty="0" err="1">
+                <a:latin typeface="Consolas" panose="020B0609020204030204" pitchFamily="49" charset="0"/>
+              </a:rPr>
+              <a:t>hour_cost</a:t>
+            </a:r>
+            <a:r>
+              <a:rPr lang="en-IN" sz="1200" dirty="0">
+                <a:latin typeface="Consolas" panose="020B0609020204030204" pitchFamily="49" charset="0"/>
+              </a:rPr>
+              <a:t> | </a:t>
+            </a:r>
+            <a:r>
+              <a:rPr lang="en-IN" sz="1200" dirty="0" err="1">
+                <a:latin typeface="Consolas" panose="020B0609020204030204" pitchFamily="49" charset="0"/>
+              </a:rPr>
+              <a:t>modify_state</a:t>
+            </a:r>
+            <a:r>
+              <a:rPr lang="en-IN" sz="1200" dirty="0">
+                <a:latin typeface="Consolas" panose="020B0609020204030204" pitchFamily="49" charset="0"/>
+              </a:rPr>
+              <a:t> | profit | +----------+-------------+-----------+--------------+--------+ | </a:t>
+            </a:r>
+            <a:r>
+              <a:rPr lang="en-IN" sz="1200" dirty="0" smtClean="0">
+                <a:latin typeface="Consolas" panose="020B0609020204030204" pitchFamily="49" charset="0"/>
+              </a:rPr>
+              <a:t>       1 |          </a:t>
+            </a:r>
+            <a:r>
+              <a:rPr lang="en-IN" sz="1200" dirty="0">
+                <a:latin typeface="Consolas" panose="020B0609020204030204" pitchFamily="49" charset="0"/>
+              </a:rPr>
+              <a:t>50 | </a:t>
+            </a:r>
+            <a:r>
+              <a:rPr lang="en-IN" sz="1200" dirty="0" smtClean="0">
+                <a:latin typeface="Consolas" panose="020B0609020204030204" pitchFamily="49" charset="0"/>
+              </a:rPr>
+              <a:t>       50 </a:t>
+            </a:r>
+            <a:r>
+              <a:rPr lang="en-IN" sz="1200" dirty="0">
+                <a:latin typeface="Consolas" panose="020B0609020204030204" pitchFamily="49" charset="0"/>
+              </a:rPr>
+              <a:t>| </a:t>
+            </a:r>
+            <a:r>
+              <a:rPr lang="en-IN" sz="1200" dirty="0" smtClean="0">
+                <a:latin typeface="Consolas" panose="020B0609020204030204" pitchFamily="49" charset="0"/>
+              </a:rPr>
+              <a:t>           1 |      </a:t>
+            </a:r>
+            <a:r>
+              <a:rPr lang="en-IN" sz="1200" dirty="0">
+                <a:latin typeface="Consolas" panose="020B0609020204030204" pitchFamily="49" charset="0"/>
+              </a:rPr>
+              <a:t>0 | +----------+-------------+-----------+--------------+--------+ </a:t>
+            </a:r>
+            <a:br>
+              <a:rPr lang="en-IN" sz="1200" dirty="0">
+                <a:latin typeface="Consolas" panose="020B0609020204030204" pitchFamily="49" charset="0"/>
+              </a:rPr>
+            </a:br>
+            <a:endParaRPr lang="en-IN" sz="1200" dirty="0">
+              <a:latin typeface="Consolas" panose="020B0609020204030204" pitchFamily="49" charset="0"/>
+            </a:endParaRPr>
+          </a:p>
+        </p:txBody>
+      </p:sp>
+      <p:sp>
+        <p:nvSpPr>
+          <p:cNvPr id="8" name="TextBox 7"/>
+          <p:cNvSpPr txBox="1"/>
+          <p:nvPr/>
+        </p:nvSpPr>
+        <p:spPr>
+          <a:xfrm>
+            <a:off x="247649" y="669895"/>
+            <a:ext cx="1895475" cy="369332"/>
+          </a:xfrm>
+          <a:prstGeom prst="rect">
+            <a:avLst/>
+          </a:prstGeom>
+          <a:noFill/>
+        </p:spPr>
+        <p:txBody>
+          <a:bodyPr wrap="square" rtlCol="0">
+            <a:spAutoFit/>
+          </a:bodyPr>
+          <a:lstStyle/>
+          <a:p>
+            <a:r>
+              <a:rPr lang="en-IN" b="1" dirty="0" err="1"/>
+              <a:t>hotel_settings</a:t>
+            </a:r>
+            <a:endParaRPr lang="en-IN" b="1" dirty="0"/>
+          </a:p>
+        </p:txBody>
+      </p:sp>
+      <p:sp>
+        <p:nvSpPr>
+          <p:cNvPr id="9" name="TextBox 8"/>
+          <p:cNvSpPr txBox="1"/>
+          <p:nvPr/>
+        </p:nvSpPr>
+        <p:spPr>
+          <a:xfrm>
+            <a:off x="247652" y="1975732"/>
+            <a:ext cx="1895475" cy="369332"/>
+          </a:xfrm>
+          <a:prstGeom prst="rect">
+            <a:avLst/>
+          </a:prstGeom>
+          <a:noFill/>
+        </p:spPr>
+        <p:txBody>
+          <a:bodyPr wrap="square" rtlCol="0">
+            <a:spAutoFit/>
+          </a:bodyPr>
+          <a:lstStyle/>
+          <a:p>
+            <a:r>
+              <a:rPr lang="en-IN" b="1" dirty="0" smtClean="0"/>
+              <a:t>customers</a:t>
+            </a:r>
+            <a:endParaRPr lang="en-IN" b="1" dirty="0"/>
+          </a:p>
+        </p:txBody>
+      </p:sp>
+      <p:sp>
+        <p:nvSpPr>
+          <p:cNvPr id="10" name="TextBox 9"/>
+          <p:cNvSpPr txBox="1"/>
+          <p:nvPr/>
+        </p:nvSpPr>
+        <p:spPr>
+          <a:xfrm>
+            <a:off x="247652" y="3770781"/>
+            <a:ext cx="1895475" cy="369332"/>
+          </a:xfrm>
+          <a:prstGeom prst="rect">
+            <a:avLst/>
+          </a:prstGeom>
+          <a:noFill/>
+        </p:spPr>
+        <p:txBody>
+          <a:bodyPr wrap="square" rtlCol="0">
+            <a:spAutoFit/>
+          </a:bodyPr>
+          <a:lstStyle/>
+          <a:p>
+            <a:r>
+              <a:rPr lang="en-IN" b="1" dirty="0"/>
+              <a:t>rooms</a:t>
+            </a:r>
+          </a:p>
+        </p:txBody>
+      </p:sp>
+      <p:sp>
+        <p:nvSpPr>
+          <p:cNvPr id="12" name="TextBox 11"/>
+          <p:cNvSpPr txBox="1"/>
+          <p:nvPr/>
+        </p:nvSpPr>
+        <p:spPr>
+          <a:xfrm>
+            <a:off x="247650" y="4981169"/>
+            <a:ext cx="1895475" cy="369332"/>
+          </a:xfrm>
+          <a:prstGeom prst="rect">
+            <a:avLst/>
+          </a:prstGeom>
+          <a:noFill/>
+        </p:spPr>
+        <p:txBody>
+          <a:bodyPr wrap="square" rtlCol="0">
+            <a:spAutoFit/>
+          </a:bodyPr>
+          <a:lstStyle/>
+          <a:p>
+            <a:r>
+              <a:rPr lang="en-IN" b="1" dirty="0"/>
+              <a:t>statistics</a:t>
+            </a:r>
+          </a:p>
+        </p:txBody>
+      </p:sp>
+      <p:cxnSp>
+        <p:nvCxnSpPr>
+          <p:cNvPr id="19" name="Straight Arrow Connector 18"/>
+          <p:cNvCxnSpPr/>
+          <p:nvPr/>
+        </p:nvCxnSpPr>
+        <p:spPr>
+          <a:xfrm>
+            <a:off x="571502" y="3203506"/>
+            <a:ext cx="1223960" cy="844619"/>
+          </a:xfrm>
+          <a:prstGeom prst="straightConnector1">
+            <a:avLst/>
+          </a:prstGeom>
+          <a:ln>
+            <a:tailEnd type="arrow"/>
+          </a:ln>
+        </p:spPr>
+        <p:style>
+          <a:lnRef idx="1">
+            <a:schemeClr val="dk1"/>
+          </a:lnRef>
+          <a:fillRef idx="0">
+            <a:schemeClr val="dk1"/>
+          </a:fillRef>
+          <a:effectRef idx="0">
+            <a:schemeClr val="dk1"/>
+          </a:effectRef>
+          <a:fontRef idx="minor">
+            <a:schemeClr val="tx1"/>
+          </a:fontRef>
+        </p:style>
+      </p:cxnSp>
+    </p:spTree>
+    <p:extLst>
+      <p:ext uri="{BB962C8B-B14F-4D97-AF65-F5344CB8AC3E}">
+        <p14:creationId xmlns:p14="http://schemas.microsoft.com/office/powerpoint/2010/main" val="3577144656"/>
+      </p:ext>
+    </p:extLst>
+  </p:cSld>
+  <p:clrMapOvr>
+    <a:masterClrMapping/>
+  </p:clrMapOvr>
+</p:sld>
+</file>
+
+<file path=ppt/slides/slide16.xml><?xml version="1.0" encoding="utf-8"?>
+<p:sld xmlns:a="http://schemas.openxmlformats.org/drawingml/2006/main" xmlns:r="http://schemas.openxmlformats.org/officeDocument/2006/relationships" xmlns:p="http://schemas.openxmlformats.org/presentationml/2006/main">
+  <p:cSld>
+    <p:spTree>
+      <p:nvGrpSpPr>
+        <p:cNvPr id="1" name=""/>
+        <p:cNvGrpSpPr/>
+        <p:nvPr/>
+      </p:nvGrpSpPr>
+      <p:grpSpPr>
+        <a:xfrm>
+          <a:off x="0" y="0"/>
+          <a:ext cx="0" cy="0"/>
+          <a:chOff x="0" y="0"/>
+          <a:chExt cx="0" cy="0"/>
+        </a:xfrm>
+      </p:grpSpPr>
+      <p:sp>
+        <p:nvSpPr>
+          <p:cNvPr id="2" name="Rectangle 1"/>
+          <p:cNvSpPr/>
+          <p:nvPr/>
+        </p:nvSpPr>
+        <p:spPr>
+          <a:xfrm>
+            <a:off x="0" y="-79654"/>
+            <a:ext cx="12192000" cy="7017306"/>
+          </a:xfrm>
+          <a:prstGeom prst="rect">
+            <a:avLst/>
+          </a:prstGeom>
+        </p:spPr>
+        <p:txBody>
+          <a:bodyPr wrap="square">
+            <a:spAutoFit/>
+          </a:bodyPr>
+          <a:lstStyle/>
+          <a:p>
+            <a:r>
+              <a:rPr lang="en-GB" b="1" dirty="0"/>
+              <a:t>Queries</a:t>
+            </a:r>
+            <a:r>
+              <a:rPr lang="en-GB" dirty="0"/>
+              <a:t>:</a:t>
+            </a:r>
+          </a:p>
+          <a:p>
+            <a:endParaRPr lang="en-GB" sz="1600" dirty="0" smtClean="0">
+              <a:latin typeface="Consolas" panose="020B0609020204030204" pitchFamily="49" charset="0"/>
+            </a:endParaRPr>
+          </a:p>
+          <a:p>
+            <a:r>
+              <a:rPr lang="en-GB" sz="1600" dirty="0" smtClean="0">
+                <a:latin typeface="Consolas" panose="020B0609020204030204" pitchFamily="49" charset="0"/>
+              </a:rPr>
+              <a:t>T1:</a:t>
+            </a:r>
+          </a:p>
+          <a:p>
+            <a:r>
+              <a:rPr lang="en-GB" sz="1600" dirty="0" smtClean="0">
+                <a:latin typeface="Consolas" panose="020B0609020204030204" pitchFamily="49" charset="0"/>
+              </a:rPr>
+              <a:t>create </a:t>
+            </a:r>
+            <a:r>
+              <a:rPr lang="en-GB" sz="1600" dirty="0">
+                <a:latin typeface="Consolas" panose="020B0609020204030204" pitchFamily="49" charset="0"/>
+              </a:rPr>
+              <a:t>table </a:t>
+            </a:r>
+            <a:r>
+              <a:rPr lang="en-GB" sz="1600" dirty="0" err="1">
+                <a:latin typeface="Consolas" panose="020B0609020204030204" pitchFamily="49" charset="0"/>
+              </a:rPr>
+              <a:t>hotel_settings</a:t>
+            </a:r>
+            <a:r>
+              <a:rPr lang="en-GB" sz="1600" dirty="0">
+                <a:latin typeface="Consolas" panose="020B0609020204030204" pitchFamily="49" charset="0"/>
+              </a:rPr>
+              <a:t>(</a:t>
+            </a:r>
+            <a:r>
+              <a:rPr lang="en-GB" sz="1600" dirty="0" err="1">
+                <a:latin typeface="Consolas" panose="020B0609020204030204" pitchFamily="49" charset="0"/>
+              </a:rPr>
+              <a:t>hotel_id</a:t>
+            </a:r>
+            <a:r>
+              <a:rPr lang="en-GB" sz="1600" dirty="0">
+                <a:latin typeface="Consolas" panose="020B0609020204030204" pitchFamily="49" charset="0"/>
+              </a:rPr>
+              <a:t> </a:t>
+            </a:r>
+            <a:r>
+              <a:rPr lang="en-GB" sz="1600" dirty="0" err="1">
+                <a:latin typeface="Consolas" panose="020B0609020204030204" pitchFamily="49" charset="0"/>
+              </a:rPr>
+              <a:t>int</a:t>
+            </a:r>
+            <a:r>
+              <a:rPr lang="en-GB" sz="1600" dirty="0">
+                <a:latin typeface="Consolas" panose="020B0609020204030204" pitchFamily="49" charset="0"/>
+              </a:rPr>
+              <a:t> default 1 not null, </a:t>
+            </a:r>
+            <a:r>
+              <a:rPr lang="en-GB" sz="1600" dirty="0" err="1">
+                <a:latin typeface="Consolas" panose="020B0609020204030204" pitchFamily="49" charset="0"/>
+              </a:rPr>
+              <a:t>rooms_count</a:t>
+            </a:r>
+            <a:r>
+              <a:rPr lang="en-GB" sz="1600" dirty="0">
+                <a:latin typeface="Consolas" panose="020B0609020204030204" pitchFamily="49" charset="0"/>
+              </a:rPr>
+              <a:t> </a:t>
+            </a:r>
+            <a:r>
+              <a:rPr lang="en-GB" sz="1600" dirty="0" err="1">
+                <a:latin typeface="Consolas" panose="020B0609020204030204" pitchFamily="49" charset="0"/>
+              </a:rPr>
+              <a:t>int</a:t>
+            </a:r>
+            <a:r>
+              <a:rPr lang="en-GB" sz="1600" dirty="0">
+                <a:latin typeface="Consolas" panose="020B0609020204030204" pitchFamily="49" charset="0"/>
+              </a:rPr>
+              <a:t> default 50 not null, </a:t>
+            </a:r>
+            <a:r>
+              <a:rPr lang="en-GB" sz="1600" dirty="0" err="1">
+                <a:latin typeface="Consolas" panose="020B0609020204030204" pitchFamily="49" charset="0"/>
+              </a:rPr>
+              <a:t>hour_cost</a:t>
+            </a:r>
+            <a:r>
+              <a:rPr lang="en-GB" sz="1600" dirty="0">
+                <a:latin typeface="Consolas" panose="020B0609020204030204" pitchFamily="49" charset="0"/>
+              </a:rPr>
+              <a:t> </a:t>
+            </a:r>
+            <a:r>
+              <a:rPr lang="en-GB" sz="1600" dirty="0" err="1">
+                <a:latin typeface="Consolas" panose="020B0609020204030204" pitchFamily="49" charset="0"/>
+              </a:rPr>
+              <a:t>int</a:t>
+            </a:r>
+            <a:r>
+              <a:rPr lang="en-GB" sz="1600" dirty="0">
+                <a:latin typeface="Consolas" panose="020B0609020204030204" pitchFamily="49" charset="0"/>
+              </a:rPr>
+              <a:t> default 50 not null, </a:t>
+            </a:r>
+            <a:r>
+              <a:rPr lang="en-GB" sz="1600" dirty="0" err="1">
+                <a:latin typeface="Consolas" panose="020B0609020204030204" pitchFamily="49" charset="0"/>
+              </a:rPr>
+              <a:t>modify_state</a:t>
+            </a:r>
+            <a:r>
+              <a:rPr lang="en-GB" sz="1600" dirty="0">
+                <a:latin typeface="Consolas" panose="020B0609020204030204" pitchFamily="49" charset="0"/>
+              </a:rPr>
+              <a:t> </a:t>
+            </a:r>
+            <a:r>
+              <a:rPr lang="en-GB" sz="1600" dirty="0" err="1">
+                <a:latin typeface="Consolas" panose="020B0609020204030204" pitchFamily="49" charset="0"/>
+              </a:rPr>
+              <a:t>boolean</a:t>
+            </a:r>
+            <a:r>
+              <a:rPr lang="en-GB" sz="1600" dirty="0">
+                <a:latin typeface="Consolas" panose="020B0609020204030204" pitchFamily="49" charset="0"/>
+              </a:rPr>
+              <a:t> default true not null, profit </a:t>
+            </a:r>
+            <a:r>
+              <a:rPr lang="en-GB" sz="1600" dirty="0" err="1">
+                <a:latin typeface="Consolas" panose="020B0609020204030204" pitchFamily="49" charset="0"/>
+              </a:rPr>
+              <a:t>int</a:t>
+            </a:r>
+            <a:r>
+              <a:rPr lang="en-GB" sz="1600" dirty="0">
+                <a:latin typeface="Consolas" panose="020B0609020204030204" pitchFamily="49" charset="0"/>
+              </a:rPr>
+              <a:t> default 0 not null</a:t>
+            </a:r>
+            <a:r>
+              <a:rPr lang="en-GB" sz="1600" dirty="0" smtClean="0">
+                <a:latin typeface="Consolas" panose="020B0609020204030204" pitchFamily="49" charset="0"/>
+              </a:rPr>
+              <a:t>);</a:t>
+            </a:r>
+          </a:p>
+          <a:p>
+            <a:endParaRPr lang="en-GB" sz="1600" dirty="0">
+              <a:latin typeface="Consolas" panose="020B0609020204030204" pitchFamily="49" charset="0"/>
+            </a:endParaRPr>
+          </a:p>
+          <a:p>
+            <a:r>
+              <a:rPr lang="en-GB" sz="1600" dirty="0" smtClean="0">
+                <a:latin typeface="Consolas" panose="020B0609020204030204" pitchFamily="49" charset="0"/>
+              </a:rPr>
+              <a:t>insert </a:t>
+            </a:r>
+            <a:r>
+              <a:rPr lang="en-GB" sz="1600" dirty="0">
+                <a:latin typeface="Consolas" panose="020B0609020204030204" pitchFamily="49" charset="0"/>
+              </a:rPr>
+              <a:t>into </a:t>
+            </a:r>
+            <a:r>
+              <a:rPr lang="en-GB" sz="1600" dirty="0" err="1">
+                <a:latin typeface="Consolas" panose="020B0609020204030204" pitchFamily="49" charset="0"/>
+              </a:rPr>
+              <a:t>hotel_settings</a:t>
+            </a:r>
+            <a:r>
+              <a:rPr lang="en-GB" sz="1600" dirty="0">
+                <a:latin typeface="Consolas" panose="020B0609020204030204" pitchFamily="49" charset="0"/>
+              </a:rPr>
+              <a:t> values (1, 50, 50, true, 0);</a:t>
+            </a:r>
+          </a:p>
+          <a:p>
+            <a:r>
+              <a:rPr lang="en-GB" sz="1600" dirty="0" smtClean="0">
+                <a:latin typeface="Consolas" panose="020B0609020204030204" pitchFamily="49" charset="0"/>
+              </a:rPr>
+              <a:t>select </a:t>
+            </a:r>
+            <a:r>
+              <a:rPr lang="en-GB" sz="1600" dirty="0">
+                <a:latin typeface="Consolas" panose="020B0609020204030204" pitchFamily="49" charset="0"/>
+              </a:rPr>
+              <a:t>* from </a:t>
+            </a:r>
+            <a:r>
+              <a:rPr lang="en-GB" sz="1600" dirty="0" err="1">
+                <a:latin typeface="Consolas" panose="020B0609020204030204" pitchFamily="49" charset="0"/>
+              </a:rPr>
+              <a:t>hotel_settings</a:t>
+            </a:r>
+            <a:r>
+              <a:rPr lang="en-GB" sz="1600" dirty="0">
+                <a:latin typeface="Consolas" panose="020B0609020204030204" pitchFamily="49" charset="0"/>
+              </a:rPr>
+              <a:t>;</a:t>
+            </a:r>
+          </a:p>
+          <a:p>
+            <a:endParaRPr lang="en-GB" sz="1600" dirty="0" smtClean="0">
+              <a:latin typeface="Consolas" panose="020B0609020204030204" pitchFamily="49" charset="0"/>
+            </a:endParaRPr>
+          </a:p>
+          <a:p>
+            <a:r>
+              <a:rPr lang="en-GB" sz="1600" dirty="0" smtClean="0">
+                <a:latin typeface="Consolas" panose="020B0609020204030204" pitchFamily="49" charset="0"/>
+              </a:rPr>
+              <a:t>T2:</a:t>
+            </a:r>
+            <a:endParaRPr lang="en-GB" sz="1600" dirty="0">
+              <a:latin typeface="Consolas" panose="020B0609020204030204" pitchFamily="49" charset="0"/>
+            </a:endParaRPr>
+          </a:p>
+          <a:p>
+            <a:r>
+              <a:rPr lang="en-GB" sz="1600" dirty="0">
+                <a:latin typeface="Consolas" panose="020B0609020204030204" pitchFamily="49" charset="0"/>
+              </a:rPr>
+              <a:t>create table customers (id </a:t>
+            </a:r>
+            <a:r>
+              <a:rPr lang="en-GB" sz="1600" dirty="0" err="1">
+                <a:latin typeface="Consolas" panose="020B0609020204030204" pitchFamily="49" charset="0"/>
+              </a:rPr>
+              <a:t>int</a:t>
+            </a:r>
+            <a:r>
+              <a:rPr lang="en-GB" sz="1600" dirty="0">
+                <a:latin typeface="Consolas" panose="020B0609020204030204" pitchFamily="49" charset="0"/>
+              </a:rPr>
+              <a:t> primary key, name varchar(100) not null, </a:t>
+            </a:r>
+            <a:r>
+              <a:rPr lang="en-GB" sz="1600" dirty="0" err="1">
+                <a:latin typeface="Consolas" panose="020B0609020204030204" pitchFamily="49" charset="0"/>
+              </a:rPr>
+              <a:t>mail_id</a:t>
+            </a:r>
+            <a:r>
+              <a:rPr lang="en-GB" sz="1600" dirty="0">
+                <a:latin typeface="Consolas" panose="020B0609020204030204" pitchFamily="49" charset="0"/>
+              </a:rPr>
+              <a:t> varchar(200) unique key, members </a:t>
+            </a:r>
+            <a:r>
+              <a:rPr lang="en-GB" sz="1600" dirty="0" err="1">
+                <a:latin typeface="Consolas" panose="020B0609020204030204" pitchFamily="49" charset="0"/>
+              </a:rPr>
+              <a:t>int</a:t>
+            </a:r>
+            <a:r>
+              <a:rPr lang="en-GB" sz="1600" dirty="0">
+                <a:latin typeface="Consolas" panose="020B0609020204030204" pitchFamily="49" charset="0"/>
+              </a:rPr>
+              <a:t> not null, </a:t>
+            </a:r>
+            <a:r>
+              <a:rPr lang="en-GB" sz="1600" dirty="0" err="1">
+                <a:latin typeface="Consolas" panose="020B0609020204030204" pitchFamily="49" charset="0"/>
+              </a:rPr>
+              <a:t>checkin</a:t>
+            </a:r>
+            <a:r>
+              <a:rPr lang="en-GB" sz="1600" dirty="0">
+                <a:latin typeface="Consolas" panose="020B0609020204030204" pitchFamily="49" charset="0"/>
+              </a:rPr>
+              <a:t> timestamp not null, </a:t>
+            </a:r>
+            <a:r>
+              <a:rPr lang="en-GB" sz="1600" dirty="0" err="1">
+                <a:latin typeface="Consolas" panose="020B0609020204030204" pitchFamily="49" charset="0"/>
+              </a:rPr>
+              <a:t>time_by_customer</a:t>
+            </a:r>
+            <a:r>
+              <a:rPr lang="en-GB" sz="1600" dirty="0">
+                <a:latin typeface="Consolas" panose="020B0609020204030204" pitchFamily="49" charset="0"/>
+              </a:rPr>
+              <a:t> </a:t>
+            </a:r>
+            <a:r>
+              <a:rPr lang="en-GB" sz="1600" dirty="0" err="1">
+                <a:latin typeface="Consolas" panose="020B0609020204030204" pitchFamily="49" charset="0"/>
+              </a:rPr>
+              <a:t>int</a:t>
+            </a:r>
+            <a:r>
+              <a:rPr lang="en-GB" sz="1600" dirty="0">
+                <a:latin typeface="Consolas" panose="020B0609020204030204" pitchFamily="49" charset="0"/>
+              </a:rPr>
+              <a:t> not null);</a:t>
+            </a:r>
+          </a:p>
+          <a:p>
+            <a:endParaRPr lang="en-GB" sz="1600" dirty="0" smtClean="0">
+              <a:latin typeface="Consolas" panose="020B0609020204030204" pitchFamily="49" charset="0"/>
+            </a:endParaRPr>
+          </a:p>
+          <a:p>
+            <a:r>
+              <a:rPr lang="en-GB" sz="1600" dirty="0" smtClean="0">
+                <a:latin typeface="Consolas" panose="020B0609020204030204" pitchFamily="49" charset="0"/>
+              </a:rPr>
+              <a:t>insert </a:t>
+            </a:r>
+            <a:r>
+              <a:rPr lang="en-GB" sz="1600" dirty="0">
+                <a:latin typeface="Consolas" panose="020B0609020204030204" pitchFamily="49" charset="0"/>
+              </a:rPr>
+              <a:t>into customers values (1, "</a:t>
+            </a:r>
+            <a:r>
+              <a:rPr lang="en-GB" sz="1600" dirty="0" err="1">
+                <a:latin typeface="Consolas" panose="020B0609020204030204" pitchFamily="49" charset="0"/>
+              </a:rPr>
+              <a:t>karthi</a:t>
+            </a:r>
+            <a:r>
+              <a:rPr lang="en-GB" sz="1600" dirty="0">
+                <a:latin typeface="Consolas" panose="020B0609020204030204" pitchFamily="49" charset="0"/>
+              </a:rPr>
+              <a:t>", "karthikayan@gmail.com", </a:t>
+            </a:r>
+            <a:r>
+              <a:rPr lang="en-GB" sz="1600" dirty="0" smtClean="0">
+                <a:latin typeface="Consolas" panose="020B0609020204030204" pitchFamily="49" charset="0"/>
+              </a:rPr>
+              <a:t>1, </a:t>
+            </a:r>
+            <a:r>
+              <a:rPr lang="en-GB" sz="1600" dirty="0">
+                <a:latin typeface="Consolas" panose="020B0609020204030204" pitchFamily="49" charset="0"/>
+              </a:rPr>
+              <a:t>CURDATE(), 24);</a:t>
+            </a:r>
+          </a:p>
+          <a:p>
+            <a:r>
+              <a:rPr lang="en-GB" sz="1600" dirty="0">
+                <a:latin typeface="Consolas" panose="020B0609020204030204" pitchFamily="49" charset="0"/>
+              </a:rPr>
+              <a:t>select * from customers;</a:t>
+            </a:r>
+          </a:p>
+          <a:p>
+            <a:endParaRPr lang="en-GB" sz="1600" dirty="0" smtClean="0">
+              <a:latin typeface="Consolas" panose="020B0609020204030204" pitchFamily="49" charset="0"/>
+            </a:endParaRPr>
+          </a:p>
+          <a:p>
+            <a:r>
+              <a:rPr lang="en-GB" sz="1600" dirty="0" smtClean="0">
+                <a:latin typeface="Consolas" panose="020B0609020204030204" pitchFamily="49" charset="0"/>
+              </a:rPr>
+              <a:t>T3:</a:t>
+            </a:r>
+            <a:endParaRPr lang="en-GB" sz="1600" dirty="0">
+              <a:latin typeface="Consolas" panose="020B0609020204030204" pitchFamily="49" charset="0"/>
+            </a:endParaRPr>
+          </a:p>
+          <a:p>
+            <a:r>
+              <a:rPr lang="en-GB" sz="1600" dirty="0">
+                <a:latin typeface="Consolas" panose="020B0609020204030204" pitchFamily="49" charset="0"/>
+              </a:rPr>
+              <a:t>create table rooms (</a:t>
+            </a:r>
+            <a:r>
+              <a:rPr lang="en-GB" sz="1600" dirty="0" err="1">
+                <a:latin typeface="Consolas" panose="020B0609020204030204" pitchFamily="49" charset="0"/>
+              </a:rPr>
+              <a:t>room_no</a:t>
+            </a:r>
+            <a:r>
+              <a:rPr lang="en-GB" sz="1600" dirty="0">
+                <a:latin typeface="Consolas" panose="020B0609020204030204" pitchFamily="49" charset="0"/>
+              </a:rPr>
+              <a:t> </a:t>
+            </a:r>
+            <a:r>
+              <a:rPr lang="en-GB" sz="1600" dirty="0" err="1">
+                <a:latin typeface="Consolas" panose="020B0609020204030204" pitchFamily="49" charset="0"/>
+              </a:rPr>
+              <a:t>int</a:t>
+            </a:r>
+            <a:r>
+              <a:rPr lang="en-GB" sz="1600" dirty="0">
+                <a:latin typeface="Consolas" panose="020B0609020204030204" pitchFamily="49" charset="0"/>
+              </a:rPr>
+              <a:t> primary key, </a:t>
+            </a:r>
+            <a:r>
+              <a:rPr lang="en-GB" sz="1600" dirty="0" err="1">
+                <a:latin typeface="Consolas" panose="020B0609020204030204" pitchFamily="49" charset="0"/>
+              </a:rPr>
+              <a:t>customer_id</a:t>
+            </a:r>
+            <a:r>
+              <a:rPr lang="en-GB" sz="1600" dirty="0">
+                <a:latin typeface="Consolas" panose="020B0609020204030204" pitchFamily="49" charset="0"/>
+              </a:rPr>
+              <a:t> </a:t>
+            </a:r>
+            <a:r>
+              <a:rPr lang="en-GB" sz="1600" dirty="0" err="1">
+                <a:latin typeface="Consolas" panose="020B0609020204030204" pitchFamily="49" charset="0"/>
+              </a:rPr>
+              <a:t>int</a:t>
+            </a:r>
+            <a:r>
+              <a:rPr lang="en-GB" sz="1600" dirty="0">
+                <a:latin typeface="Consolas" panose="020B0609020204030204" pitchFamily="49" charset="0"/>
+              </a:rPr>
+              <a:t> not null, foreign key(</a:t>
+            </a:r>
+            <a:r>
+              <a:rPr lang="en-GB" sz="1600" dirty="0" err="1">
+                <a:latin typeface="Consolas" panose="020B0609020204030204" pitchFamily="49" charset="0"/>
+              </a:rPr>
+              <a:t>customer_id</a:t>
+            </a:r>
+            <a:r>
+              <a:rPr lang="en-GB" sz="1600" dirty="0">
+                <a:latin typeface="Consolas" panose="020B0609020204030204" pitchFamily="49" charset="0"/>
+              </a:rPr>
+              <a:t>) references customers(id) on delete cascade);</a:t>
+            </a:r>
+          </a:p>
+          <a:p>
+            <a:endParaRPr lang="en-GB" sz="1600" dirty="0" smtClean="0">
+              <a:latin typeface="Consolas" panose="020B0609020204030204" pitchFamily="49" charset="0"/>
+            </a:endParaRPr>
+          </a:p>
+          <a:p>
+            <a:r>
+              <a:rPr lang="en-GB" sz="1600" dirty="0" smtClean="0">
+                <a:latin typeface="Consolas" panose="020B0609020204030204" pitchFamily="49" charset="0"/>
+              </a:rPr>
+              <a:t>insert </a:t>
+            </a:r>
+            <a:r>
+              <a:rPr lang="en-GB" sz="1600" dirty="0">
+                <a:latin typeface="Consolas" panose="020B0609020204030204" pitchFamily="49" charset="0"/>
+              </a:rPr>
+              <a:t>into rooms values (1, 1);</a:t>
+            </a:r>
+          </a:p>
+          <a:p>
+            <a:r>
+              <a:rPr lang="en-GB" sz="1600" dirty="0">
+                <a:latin typeface="Consolas" panose="020B0609020204030204" pitchFamily="49" charset="0"/>
+              </a:rPr>
+              <a:t>select * from rooms;</a:t>
+            </a:r>
+          </a:p>
+          <a:p>
+            <a:endParaRPr lang="en-GB" sz="1600" dirty="0" smtClean="0">
+              <a:latin typeface="Consolas" panose="020B0609020204030204" pitchFamily="49" charset="0"/>
+            </a:endParaRPr>
+          </a:p>
+          <a:p>
+            <a:r>
+              <a:rPr lang="en-GB" sz="1600" dirty="0" smtClean="0">
+                <a:latin typeface="Consolas" panose="020B0609020204030204" pitchFamily="49" charset="0"/>
+              </a:rPr>
+              <a:t>T4:</a:t>
+            </a:r>
+            <a:endParaRPr lang="en-GB" sz="1600" dirty="0">
+              <a:latin typeface="Consolas" panose="020B0609020204030204" pitchFamily="49" charset="0"/>
+            </a:endParaRPr>
+          </a:p>
+          <a:p>
+            <a:r>
+              <a:rPr lang="en-GB" sz="1600" dirty="0">
+                <a:latin typeface="Consolas" panose="020B0609020204030204" pitchFamily="49" charset="0"/>
+              </a:rPr>
+              <a:t>create table statistics (</a:t>
+            </a:r>
+            <a:r>
+              <a:rPr lang="en-GB" sz="1600" dirty="0" err="1">
+                <a:latin typeface="Consolas" panose="020B0609020204030204" pitchFamily="49" charset="0"/>
+              </a:rPr>
+              <a:t>mail_id</a:t>
+            </a:r>
+            <a:r>
+              <a:rPr lang="en-GB" sz="1600" dirty="0">
+                <a:latin typeface="Consolas" panose="020B0609020204030204" pitchFamily="49" charset="0"/>
+              </a:rPr>
+              <a:t> varchar(200) primary key, </a:t>
+            </a:r>
+            <a:r>
+              <a:rPr lang="en-GB" sz="1600" dirty="0" err="1">
+                <a:latin typeface="Consolas" panose="020B0609020204030204" pitchFamily="49" charset="0"/>
+              </a:rPr>
+              <a:t>total_time</a:t>
+            </a:r>
+            <a:r>
+              <a:rPr lang="en-GB" sz="1600" dirty="0">
+                <a:latin typeface="Consolas" panose="020B0609020204030204" pitchFamily="49" charset="0"/>
+              </a:rPr>
+              <a:t> </a:t>
+            </a:r>
+            <a:r>
+              <a:rPr lang="en-GB" sz="1600" dirty="0" err="1">
+                <a:latin typeface="Consolas" panose="020B0609020204030204" pitchFamily="49" charset="0"/>
+              </a:rPr>
+              <a:t>int</a:t>
+            </a:r>
+            <a:r>
+              <a:rPr lang="en-GB" sz="1600" dirty="0">
+                <a:latin typeface="Consolas" panose="020B0609020204030204" pitchFamily="49" charset="0"/>
+              </a:rPr>
+              <a:t>, </a:t>
+            </a:r>
+            <a:r>
+              <a:rPr lang="en-GB" sz="1600" dirty="0" err="1">
+                <a:latin typeface="Consolas" panose="020B0609020204030204" pitchFamily="49" charset="0"/>
+              </a:rPr>
+              <a:t>repeatation</a:t>
+            </a:r>
+            <a:r>
+              <a:rPr lang="en-GB" sz="1600" dirty="0">
+                <a:latin typeface="Consolas" panose="020B0609020204030204" pitchFamily="49" charset="0"/>
+              </a:rPr>
+              <a:t> </a:t>
+            </a:r>
+            <a:r>
+              <a:rPr lang="en-GB" sz="1600" dirty="0" err="1">
+                <a:latin typeface="Consolas" panose="020B0609020204030204" pitchFamily="49" charset="0"/>
+              </a:rPr>
+              <a:t>int</a:t>
+            </a:r>
+            <a:r>
+              <a:rPr lang="en-GB" sz="1600" dirty="0">
+                <a:latin typeface="Consolas" panose="020B0609020204030204" pitchFamily="49" charset="0"/>
+              </a:rPr>
+              <a:t> default 0);</a:t>
+            </a:r>
+          </a:p>
+          <a:p>
+            <a:endParaRPr lang="en-GB" sz="1600" dirty="0" smtClean="0">
+              <a:latin typeface="Consolas" panose="020B0609020204030204" pitchFamily="49" charset="0"/>
+            </a:endParaRPr>
+          </a:p>
+          <a:p>
+            <a:r>
+              <a:rPr lang="en-GB" sz="1600" dirty="0" smtClean="0">
+                <a:latin typeface="Consolas" panose="020B0609020204030204" pitchFamily="49" charset="0"/>
+              </a:rPr>
+              <a:t>insert </a:t>
+            </a:r>
+            <a:r>
+              <a:rPr lang="en-GB" sz="1600" dirty="0">
+                <a:latin typeface="Consolas" panose="020B0609020204030204" pitchFamily="49" charset="0"/>
+              </a:rPr>
+              <a:t>into statistics values ("karthikayan@gmail.com", 24, 1);</a:t>
+            </a:r>
+          </a:p>
+          <a:p>
+            <a:r>
+              <a:rPr lang="en-GB" sz="1600" dirty="0">
+                <a:latin typeface="Consolas" panose="020B0609020204030204" pitchFamily="49" charset="0"/>
+              </a:rPr>
+              <a:t>select * from statistics;</a:t>
+            </a:r>
+            <a:endParaRPr lang="en-IN" sz="1600" dirty="0">
+              <a:latin typeface="Consolas" panose="020B0609020204030204" pitchFamily="49" charset="0"/>
+            </a:endParaRPr>
+          </a:p>
+        </p:txBody>
+      </p:sp>
+    </p:spTree>
+    <p:extLst>
+      <p:ext uri="{BB962C8B-B14F-4D97-AF65-F5344CB8AC3E}">
+        <p14:creationId xmlns:p14="http://schemas.microsoft.com/office/powerpoint/2010/main" val="1121638353"/>
       </p:ext>
     </p:extLst>
   </p:cSld>
@@ -5303,19 +6591,7 @@
               <a:rPr lang="en-US" sz="1200" dirty="0" smtClean="0">
                 <a:latin typeface="Consolas" panose="020B0609020204030204" pitchFamily="49" charset="0"/>
               </a:rPr>
-              <a:t>		// </a:t>
-            </a:r>
-            <a:r>
-              <a:rPr lang="en-US" sz="1200" dirty="0" smtClean="0">
-                <a:latin typeface="Consolas" panose="020B0609020204030204" pitchFamily="49" charset="0"/>
-              </a:rPr>
-              <a:t>only 3 </a:t>
-            </a:r>
-            <a:r>
-              <a:rPr lang="en-US" sz="1200" dirty="0" smtClean="0">
-                <a:latin typeface="Consolas" panose="020B0609020204030204" pitchFamily="49" charset="0"/>
-              </a:rPr>
-              <a:t>rooms are available.</a:t>
+              <a:t>		// only 3 rooms are available.</a:t>
             </a:r>
           </a:p>
           <a:p>
@@ -7179,9 +8455,6 @@
               </a:rPr>
               <a:t>ENTER YOUR VALUE HERE : </a:t>
             </a:r>
-            <a:endParaRPr lang="en-IN" sz="1200" dirty="0">
-              <a:latin typeface="Consolas" panose="020B0609020204030204" pitchFamily="49" charset="0"/>
-            </a:endParaRPr>
           </a:p>
         </p:txBody>
       </p:sp>
@@ -7453,7 +8726,7 @@
   <a:extraClrSchemeLst/>
   <a:extLst>
     <a:ext uri="{05A4C25C-085E-4340-85A3-A5531E510DB2}">
-      <thm15:themeFamily xmlns:thm15="http://schemas.microsoft.com/office/thememl/2012/main" name="Office Theme" id="{62F939B6-93AF-4DB8-9C6B-D6C7DFDC589F}" vid="{4A3C46E8-61CC-4603-A589-7422A47A8E4A}"/>
+      <thm15:themeFamily xmlns="" xmlns:thm15="http://schemas.microsoft.com/office/thememl/2012/main" name="Office Theme" id="{62F939B6-93AF-4DB8-9C6B-D6C7DFDC589F}" vid="{4A3C46E8-61CC-4603-A589-7422A47A8E4A}"/>
     </a:ext>
   </a:extLst>
 </a:theme>
@@ -7714,7 +8987,7 @@
   <a:extraClrSchemeLst/>
   <a:extLst>
     <a:ext uri="{05A4C25C-085E-4340-85A3-A5531E510DB2}">
-      <thm15:themeFamily xmlns:thm15="http://schemas.microsoft.com/office/thememl/2012/main" name="Office Theme" id="{62F939B6-93AF-4DB8-9C6B-D6C7DFDC589F}" vid="{4A3C46E8-61CC-4603-A589-7422A47A8E4A}"/>
+      <thm15:themeFamily xmlns="" xmlns:thm15="http://schemas.microsoft.com/office/thememl/2012/main" name="Office Theme" id="{62F939B6-93AF-4DB8-9C6B-D6C7DFDC589F}" vid="{4A3C46E8-61CC-4603-A589-7422A47A8E4A}"/>
     </a:ext>
   </a:extLst>
 </a:theme>
